--- a/images/theory_analysis/ZooKeeper/ZooKeeper.pptx
+++ b/images/theory_analysis/ZooKeeper/ZooKeeper.pptx
@@ -215,7 +215,7 @@
           <a:p>
             <a:fld id="{6CD5550B-26C4-49A9-A5BA-636EF7BE6CE9}" type="datetimeFigureOut">
               <a:rPr lang="ko-KR" altLang="en-US" smtClean="0"/>
-              <a:t>2018-03-18</a:t>
+              <a:t>2018-03-21</a:t>
             </a:fld>
             <a:endParaRPr lang="ko-KR" altLang="en-US"/>
           </a:p>
@@ -661,7 +661,7 @@
           <a:p>
             <a:fld id="{FB30EDBD-1C2D-4C1E-B459-B60219FAB484}" type="datetimeFigureOut">
               <a:rPr lang="ko-KR" altLang="en-US" smtClean="0"/>
-              <a:t>2018-03-18</a:t>
+              <a:t>2018-03-21</a:t>
             </a:fld>
             <a:endParaRPr lang="ko-KR" altLang="en-US"/>
           </a:p>
@@ -824,7 +824,7 @@
           <a:p>
             <a:fld id="{FB30EDBD-1C2D-4C1E-B459-B60219FAB484}" type="datetimeFigureOut">
               <a:rPr lang="ko-KR" altLang="en-US" smtClean="0"/>
-              <a:t>2018-03-18</a:t>
+              <a:t>2018-03-21</a:t>
             </a:fld>
             <a:endParaRPr lang="ko-KR" altLang="en-US"/>
           </a:p>
@@ -997,7 +997,7 @@
           <a:p>
             <a:fld id="{FB30EDBD-1C2D-4C1E-B459-B60219FAB484}" type="datetimeFigureOut">
               <a:rPr lang="ko-KR" altLang="en-US" smtClean="0"/>
-              <a:t>2018-03-18</a:t>
+              <a:t>2018-03-21</a:t>
             </a:fld>
             <a:endParaRPr lang="ko-KR" altLang="en-US"/>
           </a:p>
@@ -1160,7 +1160,7 @@
           <a:p>
             <a:fld id="{FB30EDBD-1C2D-4C1E-B459-B60219FAB484}" type="datetimeFigureOut">
               <a:rPr lang="ko-KR" altLang="en-US" smtClean="0"/>
-              <a:t>2018-03-18</a:t>
+              <a:t>2018-03-21</a:t>
             </a:fld>
             <a:endParaRPr lang="ko-KR" altLang="en-US"/>
           </a:p>
@@ -1400,7 +1400,7 @@
           <a:p>
             <a:fld id="{FB30EDBD-1C2D-4C1E-B459-B60219FAB484}" type="datetimeFigureOut">
               <a:rPr lang="ko-KR" altLang="en-US" smtClean="0"/>
-              <a:t>2018-03-18</a:t>
+              <a:t>2018-03-21</a:t>
             </a:fld>
             <a:endParaRPr lang="ko-KR" altLang="en-US"/>
           </a:p>
@@ -1680,7 +1680,7 @@
           <a:p>
             <a:fld id="{FB30EDBD-1C2D-4C1E-B459-B60219FAB484}" type="datetimeFigureOut">
               <a:rPr lang="ko-KR" altLang="en-US" smtClean="0"/>
-              <a:t>2018-03-18</a:t>
+              <a:t>2018-03-21</a:t>
             </a:fld>
             <a:endParaRPr lang="ko-KR" altLang="en-US"/>
           </a:p>
@@ -2094,7 +2094,7 @@
           <a:p>
             <a:fld id="{FB30EDBD-1C2D-4C1E-B459-B60219FAB484}" type="datetimeFigureOut">
               <a:rPr lang="ko-KR" altLang="en-US" smtClean="0"/>
-              <a:t>2018-03-18</a:t>
+              <a:t>2018-03-21</a:t>
             </a:fld>
             <a:endParaRPr lang="ko-KR" altLang="en-US"/>
           </a:p>
@@ -2206,7 +2206,7 @@
           <a:p>
             <a:fld id="{FB30EDBD-1C2D-4C1E-B459-B60219FAB484}" type="datetimeFigureOut">
               <a:rPr lang="ko-KR" altLang="en-US" smtClean="0"/>
-              <a:t>2018-03-18</a:t>
+              <a:t>2018-03-21</a:t>
             </a:fld>
             <a:endParaRPr lang="ko-KR" altLang="en-US"/>
           </a:p>
@@ -2296,7 +2296,7 @@
           <a:p>
             <a:fld id="{FB30EDBD-1C2D-4C1E-B459-B60219FAB484}" type="datetimeFigureOut">
               <a:rPr lang="ko-KR" altLang="en-US" smtClean="0"/>
-              <a:t>2018-03-18</a:t>
+              <a:t>2018-03-21</a:t>
             </a:fld>
             <a:endParaRPr lang="ko-KR" altLang="en-US"/>
           </a:p>
@@ -2566,7 +2566,7 @@
           <a:p>
             <a:fld id="{FB30EDBD-1C2D-4C1E-B459-B60219FAB484}" type="datetimeFigureOut">
               <a:rPr lang="ko-KR" altLang="en-US" smtClean="0"/>
-              <a:t>2018-03-18</a:t>
+              <a:t>2018-03-21</a:t>
             </a:fld>
             <a:endParaRPr lang="ko-KR" altLang="en-US"/>
           </a:p>
@@ -2813,7 +2813,7 @@
           <a:p>
             <a:fld id="{FB30EDBD-1C2D-4C1E-B459-B60219FAB484}" type="datetimeFigureOut">
               <a:rPr lang="ko-KR" altLang="en-US" smtClean="0"/>
-              <a:t>2018-03-18</a:t>
+              <a:t>2018-03-21</a:t>
             </a:fld>
             <a:endParaRPr lang="ko-KR" altLang="en-US"/>
           </a:p>
@@ -3019,7 +3019,7 @@
           <a:p>
             <a:fld id="{FB30EDBD-1C2D-4C1E-B459-B60219FAB484}" type="datetimeFigureOut">
               <a:rPr lang="ko-KR" altLang="en-US" smtClean="0"/>
-              <a:t>2018-03-18</a:t>
+              <a:t>2018-03-21</a:t>
             </a:fld>
             <a:endParaRPr lang="ko-KR" altLang="en-US"/>
           </a:p>
@@ -3557,7 +3557,7 @@
           <a:p>
             <a:r>
               <a:rPr lang="en-US" altLang="ko-KR"/>
-              <a:t>  /servers</a:t>
+              <a:t>  /machine</a:t>
             </a:r>
             <a:endParaRPr lang="ko-KR" altLang="en-US"/>
           </a:p>
@@ -4288,7 +4288,7 @@
           <a:p>
             <a:r>
               <a:rPr lang="en-US" altLang="ko-KR"/>
-              <a:t>  /A_0001</a:t>
+              <a:t>  /lock0001</a:t>
             </a:r>
             <a:endParaRPr lang="ko-KR" altLang="en-US"/>
           </a:p>
@@ -4308,7 +4308,7 @@
         </p:nvSpPr>
         <p:spPr>
           <a:xfrm>
-            <a:off x="6012160" y="3221356"/>
+            <a:off x="6023497" y="3221356"/>
             <a:ext cx="216024" cy="216024"/>
           </a:xfrm>
           <a:prstGeom prst="ellipse">
@@ -4385,7 +4385,7 @@
           <a:p>
             <a:r>
               <a:rPr lang="en-US" altLang="ko-KR"/>
-              <a:t>  /B_0002</a:t>
+              <a:t>  /lock0002</a:t>
             </a:r>
             <a:endParaRPr lang="ko-KR" altLang="en-US"/>
           </a:p>
@@ -4405,7 +4405,7 @@
         </p:nvSpPr>
         <p:spPr>
           <a:xfrm>
-            <a:off x="8100392" y="3221356"/>
+            <a:off x="8172400" y="3221356"/>
             <a:ext cx="216024" cy="216024"/>
           </a:xfrm>
           <a:prstGeom prst="ellipse">
@@ -4455,7 +4455,7 @@
         </p:nvSpPr>
         <p:spPr>
           <a:xfrm>
-            <a:off x="6288855" y="3218057"/>
+            <a:off x="6300192" y="3218057"/>
             <a:ext cx="216024" cy="216024"/>
           </a:xfrm>
           <a:prstGeom prst="ellipse">
@@ -4505,7 +4505,7 @@
         </p:nvSpPr>
         <p:spPr>
           <a:xfrm>
-            <a:off x="8384329" y="3218057"/>
+            <a:off x="8456337" y="3218057"/>
             <a:ext cx="216024" cy="216024"/>
           </a:xfrm>
           <a:prstGeom prst="ellipse">

--- a/images/theory_analysis/ZooKeeper/ZooKeeper.pptx
+++ b/images/theory_analysis/ZooKeeper/ZooKeeper.pptx
@@ -215,7 +215,7 @@
           <a:p>
             <a:fld id="{6CD5550B-26C4-49A9-A5BA-636EF7BE6CE9}" type="datetimeFigureOut">
               <a:rPr lang="ko-KR" altLang="en-US" smtClean="0"/>
-              <a:t>2018-03-21</a:t>
+              <a:t>2019-02-15</a:t>
             </a:fld>
             <a:endParaRPr lang="ko-KR" altLang="en-US"/>
           </a:p>
@@ -661,7 +661,7 @@
           <a:p>
             <a:fld id="{FB30EDBD-1C2D-4C1E-B459-B60219FAB484}" type="datetimeFigureOut">
               <a:rPr lang="ko-KR" altLang="en-US" smtClean="0"/>
-              <a:t>2018-03-21</a:t>
+              <a:t>2019-02-15</a:t>
             </a:fld>
             <a:endParaRPr lang="ko-KR" altLang="en-US"/>
           </a:p>
@@ -824,7 +824,7 @@
           <a:p>
             <a:fld id="{FB30EDBD-1C2D-4C1E-B459-B60219FAB484}" type="datetimeFigureOut">
               <a:rPr lang="ko-KR" altLang="en-US" smtClean="0"/>
-              <a:t>2018-03-21</a:t>
+              <a:t>2019-02-15</a:t>
             </a:fld>
             <a:endParaRPr lang="ko-KR" altLang="en-US"/>
           </a:p>
@@ -997,7 +997,7 @@
           <a:p>
             <a:fld id="{FB30EDBD-1C2D-4C1E-B459-B60219FAB484}" type="datetimeFigureOut">
               <a:rPr lang="ko-KR" altLang="en-US" smtClean="0"/>
-              <a:t>2018-03-21</a:t>
+              <a:t>2019-02-15</a:t>
             </a:fld>
             <a:endParaRPr lang="ko-KR" altLang="en-US"/>
           </a:p>
@@ -1160,7 +1160,7 @@
           <a:p>
             <a:fld id="{FB30EDBD-1C2D-4C1E-B459-B60219FAB484}" type="datetimeFigureOut">
               <a:rPr lang="ko-KR" altLang="en-US" smtClean="0"/>
-              <a:t>2018-03-21</a:t>
+              <a:t>2019-02-15</a:t>
             </a:fld>
             <a:endParaRPr lang="ko-KR" altLang="en-US"/>
           </a:p>
@@ -1400,7 +1400,7 @@
           <a:p>
             <a:fld id="{FB30EDBD-1C2D-4C1E-B459-B60219FAB484}" type="datetimeFigureOut">
               <a:rPr lang="ko-KR" altLang="en-US" smtClean="0"/>
-              <a:t>2018-03-21</a:t>
+              <a:t>2019-02-15</a:t>
             </a:fld>
             <a:endParaRPr lang="ko-KR" altLang="en-US"/>
           </a:p>
@@ -1680,7 +1680,7 @@
           <a:p>
             <a:fld id="{FB30EDBD-1C2D-4C1E-B459-B60219FAB484}" type="datetimeFigureOut">
               <a:rPr lang="ko-KR" altLang="en-US" smtClean="0"/>
-              <a:t>2018-03-21</a:t>
+              <a:t>2019-02-15</a:t>
             </a:fld>
             <a:endParaRPr lang="ko-KR" altLang="en-US"/>
           </a:p>
@@ -2094,7 +2094,7 @@
           <a:p>
             <a:fld id="{FB30EDBD-1C2D-4C1E-B459-B60219FAB484}" type="datetimeFigureOut">
               <a:rPr lang="ko-KR" altLang="en-US" smtClean="0"/>
-              <a:t>2018-03-21</a:t>
+              <a:t>2019-02-15</a:t>
             </a:fld>
             <a:endParaRPr lang="ko-KR" altLang="en-US"/>
           </a:p>
@@ -2206,7 +2206,7 @@
           <a:p>
             <a:fld id="{FB30EDBD-1C2D-4C1E-B459-B60219FAB484}" type="datetimeFigureOut">
               <a:rPr lang="ko-KR" altLang="en-US" smtClean="0"/>
-              <a:t>2018-03-21</a:t>
+              <a:t>2019-02-15</a:t>
             </a:fld>
             <a:endParaRPr lang="ko-KR" altLang="en-US"/>
           </a:p>
@@ -2296,7 +2296,7 @@
           <a:p>
             <a:fld id="{FB30EDBD-1C2D-4C1E-B459-B60219FAB484}" type="datetimeFigureOut">
               <a:rPr lang="ko-KR" altLang="en-US" smtClean="0"/>
-              <a:t>2018-03-21</a:t>
+              <a:t>2019-02-15</a:t>
             </a:fld>
             <a:endParaRPr lang="ko-KR" altLang="en-US"/>
           </a:p>
@@ -2566,7 +2566,7 @@
           <a:p>
             <a:fld id="{FB30EDBD-1C2D-4C1E-B459-B60219FAB484}" type="datetimeFigureOut">
               <a:rPr lang="ko-KR" altLang="en-US" smtClean="0"/>
-              <a:t>2018-03-21</a:t>
+              <a:t>2019-02-15</a:t>
             </a:fld>
             <a:endParaRPr lang="ko-KR" altLang="en-US"/>
           </a:p>
@@ -2813,7 +2813,7 @@
           <a:p>
             <a:fld id="{FB30EDBD-1C2D-4C1E-B459-B60219FAB484}" type="datetimeFigureOut">
               <a:rPr lang="ko-KR" altLang="en-US" smtClean="0"/>
-              <a:t>2018-03-21</a:t>
+              <a:t>2019-02-15</a:t>
             </a:fld>
             <a:endParaRPr lang="ko-KR" altLang="en-US"/>
           </a:p>
@@ -3019,7 +3019,7 @@
           <a:p>
             <a:fld id="{FB30EDBD-1C2D-4C1E-B459-B60219FAB484}" type="datetimeFigureOut">
               <a:rPr lang="ko-KR" altLang="en-US" smtClean="0"/>
-              <a:t>2018-03-21</a:t>
+              <a:t>2019-02-15</a:t>
             </a:fld>
             <a:endParaRPr lang="ko-KR" altLang="en-US"/>
           </a:p>
@@ -6590,6 +6590,80 @@
             <a:r>
               <a:rPr lang="en-US" altLang="ko-KR" sz="1200"/>
               <a:t>Request</a:t>
+            </a:r>
+            <a:endParaRPr lang="ko-KR" altLang="en-US" sz="1200"/>
+          </a:p>
+        </p:txBody>
+      </p:sp>
+      <p:sp>
+        <p:nvSpPr>
+          <p:cNvPr id="32" name="TextBox 31">
+            <a:extLst>
+              <a:ext uri="{FF2B5EF4-FFF2-40B4-BE49-F238E27FC236}">
+                <a16:creationId xmlns:a16="http://schemas.microsoft.com/office/drawing/2014/main" id="{09E8D8E8-9958-4854-A83F-5120AF1D5BFB}"/>
+              </a:ext>
+            </a:extLst>
+          </p:cNvPr>
+          <p:cNvSpPr txBox="1"/>
+          <p:nvPr/>
+        </p:nvSpPr>
+        <p:spPr>
+          <a:xfrm>
+            <a:off x="3293858" y="2335289"/>
+            <a:ext cx="792088" cy="276999"/>
+          </a:xfrm>
+          <a:prstGeom prst="rect">
+            <a:avLst/>
+          </a:prstGeom>
+          <a:noFill/>
+        </p:spPr>
+        <p:txBody>
+          <a:bodyPr wrap="square" rtlCol="0">
+            <a:spAutoFit/>
+          </a:bodyPr>
+          <a:lstStyle/>
+          <a:p>
+            <a:pPr algn="ctr"/>
+            <a:r>
+              <a:rPr lang="en-US" altLang="ko-KR" sz="1200" err="1"/>
+              <a:t>Zab</a:t>
+            </a:r>
+            <a:endParaRPr lang="ko-KR" altLang="en-US" sz="1200"/>
+          </a:p>
+        </p:txBody>
+      </p:sp>
+      <p:sp>
+        <p:nvSpPr>
+          <p:cNvPr id="37" name="TextBox 36">
+            <a:extLst>
+              <a:ext uri="{FF2B5EF4-FFF2-40B4-BE49-F238E27FC236}">
+                <a16:creationId xmlns:a16="http://schemas.microsoft.com/office/drawing/2014/main" id="{ACD5E6E8-6B5B-49CD-9F69-61988BD7CE4F}"/>
+              </a:ext>
+            </a:extLst>
+          </p:cNvPr>
+          <p:cNvSpPr txBox="1"/>
+          <p:nvPr/>
+        </p:nvSpPr>
+        <p:spPr>
+          <a:xfrm>
+            <a:off x="5057356" y="2335289"/>
+            <a:ext cx="792088" cy="276999"/>
+          </a:xfrm>
+          <a:prstGeom prst="rect">
+            <a:avLst/>
+          </a:prstGeom>
+          <a:noFill/>
+        </p:spPr>
+        <p:txBody>
+          <a:bodyPr wrap="square" rtlCol="0">
+            <a:spAutoFit/>
+          </a:bodyPr>
+          <a:lstStyle/>
+          <a:p>
+            <a:pPr algn="ctr"/>
+            <a:r>
+              <a:rPr lang="en-US" altLang="ko-KR" sz="1200" err="1"/>
+              <a:t>Zab</a:t>
             </a:r>
             <a:endParaRPr lang="ko-KR" altLang="en-US" sz="1200"/>
           </a:p>
